--- a/SmartFridge.pptx
+++ b/SmartFridge.pptx
@@ -2,7 +2,7 @@
 <file path=ppt/presentation.xml><?xml version="1.0" encoding="utf-8"?>
 <p:presentation xmlns:a="http://schemas.openxmlformats.org/drawingml/2006/main" xmlns:r="http://schemas.openxmlformats.org/officeDocument/2006/relationships" xmlns:p="http://schemas.openxmlformats.org/presentationml/2006/main" saveSubsetFonts="1">
   <p:sldMasterIdLst>
-    <p:sldMasterId id="2147483660" r:id="rId1"/>
+    <p:sldMasterId id="2147483748" r:id="rId1"/>
   </p:sldMasterIdLst>
   <p:sldIdLst>
     <p:sldId id="256" r:id="rId2"/>
@@ -893,7 +893,7 @@
     </p:spTree>
     <p:extLst>
       <p:ext uri="{BB962C8B-B14F-4D97-AF65-F5344CB8AC3E}">
-        <p14:creationId xmlns:p14="http://schemas.microsoft.com/office/powerpoint/2010/main" val="3578705278"/>
+        <p14:creationId xmlns:p14="http://schemas.microsoft.com/office/powerpoint/2010/main" val="2108633706"/>
       </p:ext>
     </p:extLst>
   </p:cSld>
@@ -1071,7 +1071,7 @@
             <a:pPr lvl="0"/>
             <a:r>
               <a:rPr lang="en-US" smtClean="0"/>
-              <a:t>Edit Master text styles</a:t>
+              <a:t>Click to edit Master text styles</a:t>
             </a:r>
           </a:p>
         </p:txBody>
@@ -1144,7 +1144,7 @@
     </p:spTree>
     <p:extLst>
       <p:ext uri="{BB962C8B-B14F-4D97-AF65-F5344CB8AC3E}">
-        <p14:creationId xmlns:p14="http://schemas.microsoft.com/office/powerpoint/2010/main" val="2465309559"/>
+        <p14:creationId xmlns:p14="http://schemas.microsoft.com/office/powerpoint/2010/main" val="1528440479"/>
       </p:ext>
     </p:extLst>
   </p:cSld>
@@ -1263,7 +1263,7 @@
             <a:pPr lvl="0"/>
             <a:r>
               <a:rPr lang="en-US" smtClean="0"/>
-              <a:t>Edit Master text styles</a:t>
+              <a:t>Click to edit Master text styles</a:t>
             </a:r>
           </a:p>
         </p:txBody>
@@ -1385,7 +1385,7 @@
             <a:pPr lvl="0"/>
             <a:r>
               <a:rPr lang="en-US" smtClean="0"/>
-              <a:t>Edit Master text styles</a:t>
+              <a:t>Click to edit Master text styles</a:t>
             </a:r>
           </a:p>
         </p:txBody>
@@ -1548,7 +1548,7 @@
     </p:spTree>
     <p:extLst>
       <p:ext uri="{BB962C8B-B14F-4D97-AF65-F5344CB8AC3E}">
-        <p14:creationId xmlns:p14="http://schemas.microsoft.com/office/powerpoint/2010/main" val="4098108874"/>
+        <p14:creationId xmlns:p14="http://schemas.microsoft.com/office/powerpoint/2010/main" val="299745139"/>
       </p:ext>
     </p:extLst>
   </p:cSld>
@@ -1726,7 +1726,7 @@
             <a:pPr lvl="0"/>
             <a:r>
               <a:rPr lang="en-US" smtClean="0"/>
-              <a:t>Edit Master text styles</a:t>
+              <a:t>Click to edit Master text styles</a:t>
             </a:r>
           </a:p>
         </p:txBody>
@@ -1799,7 +1799,7 @@
     </p:spTree>
     <p:extLst>
       <p:ext uri="{BB962C8B-B14F-4D97-AF65-F5344CB8AC3E}">
-        <p14:creationId xmlns:p14="http://schemas.microsoft.com/office/powerpoint/2010/main" val="452792743"/>
+        <p14:creationId xmlns:p14="http://schemas.microsoft.com/office/powerpoint/2010/main" val="1967398958"/>
       </p:ext>
     </p:extLst>
   </p:cSld>
@@ -1918,7 +1918,7 @@
             <a:pPr lvl="0"/>
             <a:r>
               <a:rPr lang="en-US" smtClean="0"/>
-              <a:t>Edit Master text styles</a:t>
+              <a:t>Click to edit Master text styles</a:t>
             </a:r>
           </a:p>
         </p:txBody>
@@ -2040,7 +2040,7 @@
             <a:pPr lvl="0"/>
             <a:r>
               <a:rPr lang="en-US" smtClean="0"/>
-              <a:t>Edit Master text styles</a:t>
+              <a:t>Click to edit Master text styles</a:t>
             </a:r>
           </a:p>
         </p:txBody>
@@ -2195,7 +2195,7 @@
     </p:spTree>
     <p:extLst>
       <p:ext uri="{BB962C8B-B14F-4D97-AF65-F5344CB8AC3E}">
-        <p14:creationId xmlns:p14="http://schemas.microsoft.com/office/powerpoint/2010/main" val="3427455737"/>
+        <p14:creationId xmlns:p14="http://schemas.microsoft.com/office/powerpoint/2010/main" val="1268574247"/>
       </p:ext>
     </p:extLst>
   </p:cSld>
@@ -2311,7 +2311,7 @@
             <a:pPr lvl="0"/>
             <a:r>
               <a:rPr lang="en-US" smtClean="0"/>
-              <a:t>Edit Master text styles</a:t>
+              <a:t>Click to edit Master text styles</a:t>
             </a:r>
           </a:p>
         </p:txBody>
@@ -2433,7 +2433,7 @@
             <a:pPr lvl="0"/>
             <a:r>
               <a:rPr lang="en-US" smtClean="0"/>
-              <a:t>Edit Master text styles</a:t>
+              <a:t>Click to edit Master text styles</a:t>
             </a:r>
           </a:p>
         </p:txBody>
@@ -2506,7 +2506,7 @@
     </p:spTree>
     <p:extLst>
       <p:ext uri="{BB962C8B-B14F-4D97-AF65-F5344CB8AC3E}">
-        <p14:creationId xmlns:p14="http://schemas.microsoft.com/office/powerpoint/2010/main" val="993927367"/>
+        <p14:creationId xmlns:p14="http://schemas.microsoft.com/office/powerpoint/2010/main" val="709721913"/>
       </p:ext>
     </p:extLst>
   </p:cSld>
@@ -2574,7 +2574,7 @@
             <a:pPr lvl="0"/>
             <a:r>
               <a:rPr lang="en-US" smtClean="0"/>
-              <a:t>Edit Master text styles</a:t>
+              <a:t>Click to edit Master text styles</a:t>
             </a:r>
           </a:p>
           <a:p>
@@ -2676,7 +2676,7 @@
     </p:spTree>
     <p:extLst>
       <p:ext uri="{BB962C8B-B14F-4D97-AF65-F5344CB8AC3E}">
-        <p14:creationId xmlns:p14="http://schemas.microsoft.com/office/powerpoint/2010/main" val="790299988"/>
+        <p14:creationId xmlns:p14="http://schemas.microsoft.com/office/powerpoint/2010/main" val="1172016353"/>
       </p:ext>
     </p:extLst>
   </p:cSld>
@@ -2754,7 +2754,7 @@
             <a:pPr lvl="0"/>
             <a:r>
               <a:rPr lang="en-US" smtClean="0"/>
-              <a:t>Edit Master text styles</a:t>
+              <a:t>Click to edit Master text styles</a:t>
             </a:r>
           </a:p>
           <a:p>
@@ -2856,7 +2856,7 @@
     </p:spTree>
     <p:extLst>
       <p:ext uri="{BB962C8B-B14F-4D97-AF65-F5344CB8AC3E}">
-        <p14:creationId xmlns:p14="http://schemas.microsoft.com/office/powerpoint/2010/main" val="3388283394"/>
+        <p14:creationId xmlns:p14="http://schemas.microsoft.com/office/powerpoint/2010/main" val="1358834587"/>
       </p:ext>
     </p:extLst>
   </p:cSld>
@@ -2930,7 +2930,7 @@
             <a:pPr lvl="0"/>
             <a:r>
               <a:rPr lang="en-US" smtClean="0"/>
-              <a:t>Edit Master text styles</a:t>
+              <a:t>Click to edit Master text styles</a:t>
             </a:r>
           </a:p>
           <a:p>
@@ -3032,7 +3032,7 @@
     </p:spTree>
     <p:extLst>
       <p:ext uri="{BB962C8B-B14F-4D97-AF65-F5344CB8AC3E}">
-        <p14:creationId xmlns:p14="http://schemas.microsoft.com/office/powerpoint/2010/main" val="1902080540"/>
+        <p14:creationId xmlns:p14="http://schemas.microsoft.com/office/powerpoint/2010/main" val="2031553948"/>
       </p:ext>
     </p:extLst>
   </p:cSld>
@@ -3206,7 +3206,7 @@
             <a:pPr lvl="0"/>
             <a:r>
               <a:rPr lang="en-US" smtClean="0"/>
-              <a:t>Edit Master text styles</a:t>
+              <a:t>Click to edit Master text styles</a:t>
             </a:r>
           </a:p>
         </p:txBody>
@@ -3279,7 +3279,7 @@
     </p:spTree>
     <p:extLst>
       <p:ext uri="{BB962C8B-B14F-4D97-AF65-F5344CB8AC3E}">
-        <p14:creationId xmlns:p14="http://schemas.microsoft.com/office/powerpoint/2010/main" val="4264589690"/>
+        <p14:creationId xmlns:p14="http://schemas.microsoft.com/office/powerpoint/2010/main" val="1484700383"/>
       </p:ext>
     </p:extLst>
   </p:cSld>
@@ -3352,7 +3352,7 @@
             <a:pPr lvl="0"/>
             <a:r>
               <a:rPr lang="en-US" smtClean="0"/>
-              <a:t>Edit Master text styles</a:t>
+              <a:t>Click to edit Master text styles</a:t>
             </a:r>
           </a:p>
           <a:p>
@@ -3409,7 +3409,7 @@
             <a:pPr lvl="0"/>
             <a:r>
               <a:rPr lang="en-US" smtClean="0"/>
-              <a:t>Edit Master text styles</a:t>
+              <a:t>Click to edit Master text styles</a:t>
             </a:r>
           </a:p>
           <a:p>
@@ -3511,7 +3511,7 @@
     </p:spTree>
     <p:extLst>
       <p:ext uri="{BB962C8B-B14F-4D97-AF65-F5344CB8AC3E}">
-        <p14:creationId xmlns:p14="http://schemas.microsoft.com/office/powerpoint/2010/main" val="1400537541"/>
+        <p14:creationId xmlns:p14="http://schemas.microsoft.com/office/powerpoint/2010/main" val="1746842588"/>
       </p:ext>
     </p:extLst>
   </p:cSld>
@@ -3627,7 +3627,7 @@
             <a:pPr lvl="0"/>
             <a:r>
               <a:rPr lang="en-US" smtClean="0"/>
-              <a:t>Edit Master text styles</a:t>
+              <a:t>Click to edit Master text styles</a:t>
             </a:r>
           </a:p>
         </p:txBody>
@@ -3657,7 +3657,7 @@
             <a:pPr lvl="0"/>
             <a:r>
               <a:rPr lang="en-US" smtClean="0"/>
-              <a:t>Edit Master text styles</a:t>
+              <a:t>Click to edit Master text styles</a:t>
             </a:r>
           </a:p>
           <a:p>
@@ -3753,7 +3753,7 @@
             <a:pPr lvl="0"/>
             <a:r>
               <a:rPr lang="en-US" smtClean="0"/>
-              <a:t>Edit Master text styles</a:t>
+              <a:t>Click to edit Master text styles</a:t>
             </a:r>
           </a:p>
         </p:txBody>
@@ -3783,7 +3783,7 @@
             <a:pPr lvl="0"/>
             <a:r>
               <a:rPr lang="en-US" smtClean="0"/>
-              <a:t>Edit Master text styles</a:t>
+              <a:t>Click to edit Master text styles</a:t>
             </a:r>
           </a:p>
           <a:p>
@@ -3885,7 +3885,7 @@
     </p:spTree>
     <p:extLst>
       <p:ext uri="{BB962C8B-B14F-4D97-AF65-F5344CB8AC3E}">
-        <p14:creationId xmlns:p14="http://schemas.microsoft.com/office/powerpoint/2010/main" val="1598258393"/>
+        <p14:creationId xmlns:p14="http://schemas.microsoft.com/office/powerpoint/2010/main" val="934438379"/>
       </p:ext>
     </p:extLst>
   </p:cSld>
@@ -4008,7 +4008,7 @@
     </p:spTree>
     <p:extLst>
       <p:ext uri="{BB962C8B-B14F-4D97-AF65-F5344CB8AC3E}">
-        <p14:creationId xmlns:p14="http://schemas.microsoft.com/office/powerpoint/2010/main" val="2258315937"/>
+        <p14:creationId xmlns:p14="http://schemas.microsoft.com/office/powerpoint/2010/main" val="557925342"/>
       </p:ext>
     </p:extLst>
   </p:cSld>
@@ -4103,7 +4103,7 @@
     </p:spTree>
     <p:extLst>
       <p:ext uri="{BB962C8B-B14F-4D97-AF65-F5344CB8AC3E}">
-        <p14:creationId xmlns:p14="http://schemas.microsoft.com/office/powerpoint/2010/main" val="660470543"/>
+        <p14:creationId xmlns:p14="http://schemas.microsoft.com/office/powerpoint/2010/main" val="1137620192"/>
       </p:ext>
     </p:extLst>
   </p:cSld>
@@ -4189,7 +4189,7 @@
             <a:pPr lvl="0"/>
             <a:r>
               <a:rPr lang="en-US" smtClean="0"/>
-              <a:t>Edit Master text styles</a:t>
+              <a:t>Click to edit Master text styles</a:t>
             </a:r>
           </a:p>
           <a:p>
@@ -4285,7 +4285,7 @@
             <a:pPr lvl="0"/>
             <a:r>
               <a:rPr lang="en-US" smtClean="0"/>
-              <a:t>Edit Master text styles</a:t>
+              <a:t>Click to edit Master text styles</a:t>
             </a:r>
           </a:p>
         </p:txBody>
@@ -4358,7 +4358,7 @@
     </p:spTree>
     <p:extLst>
       <p:ext uri="{BB962C8B-B14F-4D97-AF65-F5344CB8AC3E}">
-        <p14:creationId xmlns:p14="http://schemas.microsoft.com/office/powerpoint/2010/main" val="3790383416"/>
+        <p14:creationId xmlns:p14="http://schemas.microsoft.com/office/powerpoint/2010/main" val="935657703"/>
       </p:ext>
     </p:extLst>
   </p:cSld>
@@ -4480,7 +4480,7 @@
           <a:p>
             <a:r>
               <a:rPr lang="en-US" smtClean="0"/>
-              <a:t>Click icon to add picture</a:t>
+              <a:t>Drag picture to placeholder or click icon to add</a:t>
             </a:r>
             <a:endParaRPr lang="en-US" dirty="0"/>
           </a:p>
@@ -4548,7 +4548,7 @@
             <a:pPr lvl="0"/>
             <a:r>
               <a:rPr lang="en-US" smtClean="0"/>
-              <a:t>Edit Master text styles</a:t>
+              <a:t>Click to edit Master text styles</a:t>
             </a:r>
           </a:p>
         </p:txBody>
@@ -4591,7 +4591,7 @@
           <a:bodyPr/>
           <a:lstStyle/>
           <a:p>
-            <a:endParaRPr lang="en-US"/>
+            <a:endParaRPr lang="en-US" dirty="0"/>
           </a:p>
         </p:txBody>
       </p:sp>
@@ -4621,7 +4621,7 @@
     </p:spTree>
     <p:extLst>
       <p:ext uri="{BB962C8B-B14F-4D97-AF65-F5344CB8AC3E}">
-        <p14:creationId xmlns:p14="http://schemas.microsoft.com/office/powerpoint/2010/main" val="3351600019"/>
+        <p14:creationId xmlns:p14="http://schemas.microsoft.com/office/powerpoint/2010/main" val="1723750987"/>
       </p:ext>
     </p:extLst>
   </p:cSld>
@@ -5244,7 +5244,7 @@
             <a:pPr lvl="0"/>
             <a:r>
               <a:rPr lang="en-US" smtClean="0"/>
-              <a:t>Edit Master text styles</a:t>
+              <a:t>Click to edit Master text styles</a:t>
             </a:r>
           </a:p>
           <a:p>
@@ -5398,28 +5398,28 @@
     </p:spTree>
     <p:extLst>
       <p:ext uri="{BB962C8B-B14F-4D97-AF65-F5344CB8AC3E}">
-        <p14:creationId xmlns:p14="http://schemas.microsoft.com/office/powerpoint/2010/main" val="3580666680"/>
+        <p14:creationId xmlns:p14="http://schemas.microsoft.com/office/powerpoint/2010/main" val="197279461"/>
       </p:ext>
     </p:extLst>
   </p:cSld>
   <p:clrMap bg1="lt1" tx1="dk1" bg2="lt2" tx2="dk2" accent1="accent1" accent2="accent2" accent3="accent3" accent4="accent4" accent5="accent5" accent6="accent6" hlink="hlink" folHlink="folHlink"/>
   <p:sldLayoutIdLst>
-    <p:sldLayoutId id="2147483661" r:id="rId1"/>
-    <p:sldLayoutId id="2147483662" r:id="rId2"/>
-    <p:sldLayoutId id="2147483663" r:id="rId3"/>
-    <p:sldLayoutId id="2147483664" r:id="rId4"/>
-    <p:sldLayoutId id="2147483665" r:id="rId5"/>
-    <p:sldLayoutId id="2147483666" r:id="rId6"/>
-    <p:sldLayoutId id="2147483667" r:id="rId7"/>
-    <p:sldLayoutId id="2147483668" r:id="rId8"/>
-    <p:sldLayoutId id="2147483669" r:id="rId9"/>
-    <p:sldLayoutId id="2147483670" r:id="rId10"/>
-    <p:sldLayoutId id="2147483671" r:id="rId11"/>
-    <p:sldLayoutId id="2147483672" r:id="rId12"/>
-    <p:sldLayoutId id="2147483673" r:id="rId13"/>
-    <p:sldLayoutId id="2147483674" r:id="rId14"/>
-    <p:sldLayoutId id="2147483675" r:id="rId15"/>
-    <p:sldLayoutId id="2147483676" r:id="rId16"/>
+    <p:sldLayoutId id="2147483749" r:id="rId1"/>
+    <p:sldLayoutId id="2147483750" r:id="rId2"/>
+    <p:sldLayoutId id="2147483751" r:id="rId3"/>
+    <p:sldLayoutId id="2147483752" r:id="rId4"/>
+    <p:sldLayoutId id="2147483753" r:id="rId5"/>
+    <p:sldLayoutId id="2147483754" r:id="rId6"/>
+    <p:sldLayoutId id="2147483755" r:id="rId7"/>
+    <p:sldLayoutId id="2147483756" r:id="rId8"/>
+    <p:sldLayoutId id="2147483757" r:id="rId9"/>
+    <p:sldLayoutId id="2147483758" r:id="rId10"/>
+    <p:sldLayoutId id="2147483759" r:id="rId11"/>
+    <p:sldLayoutId id="2147483760" r:id="rId12"/>
+    <p:sldLayoutId id="2147483761" r:id="rId13"/>
+    <p:sldLayoutId id="2147483762" r:id="rId14"/>
+    <p:sldLayoutId id="2147483763" r:id="rId15"/>
+    <p:sldLayoutId id="2147483764" r:id="rId16"/>
   </p:sldLayoutIdLst>
   <p:txStyles>
     <p:titleStyle>
@@ -5817,6 +5817,11 @@
       </a:lvl9pPr>
     </p:otherStyle>
   </p:txStyles>
+  <p:extLst>
+    <p:ext uri="{27BBF7A9-308A-43DC-89C8-2F10F3537804}">
+      <p15:sldGuideLst xmlns:p15="http://schemas.microsoft.com/office/powerpoint/2012/main"/>
+    </p:ext>
+  </p:extLst>
 </p:sldMaster>
 </file>
 
@@ -5878,17 +5883,19 @@
         </p:nvSpPr>
         <p:spPr>
           <a:xfrm>
-            <a:off x="6507662" y="4121823"/>
-            <a:ext cx="2649591" cy="1762142"/>
+            <a:off x="6222241" y="3845858"/>
+            <a:ext cx="3657406" cy="2212918"/>
           </a:xfrm>
         </p:spPr>
         <p:txBody>
-          <a:bodyPr/>
+          <a:bodyPr>
+            <a:normAutofit/>
+          </a:bodyPr>
           <a:lstStyle/>
           <a:p>
             <a:pPr algn="l"/>
             <a:r>
-              <a:rPr lang="en-US" smtClean="0"/>
+              <a:rPr lang="en-US" dirty="0" smtClean="0"/>
               <a:t>By:-</a:t>
             </a:r>
           </a:p>
@@ -5902,8 +5909,20 @@
           <a:p>
             <a:pPr algn="l"/>
             <a:r>
+              <a:rPr lang="en-US" dirty="0" err="1" smtClean="0"/>
+              <a:t>Ragarsha</a:t>
+            </a:r>
+            <a:r>
               <a:rPr lang="en-US" dirty="0" smtClean="0"/>
-              <a:t>Ragarsha Velmula	</a:t>
+              <a:t> </a:t>
+            </a:r>
+            <a:r>
+              <a:rPr lang="en-US" dirty="0" err="1" smtClean="0"/>
+              <a:t>Velmula</a:t>
+            </a:r>
+            <a:r>
+              <a:rPr lang="en-US" dirty="0" smtClean="0"/>
+              <a:t>	</a:t>
             </a:r>
           </a:p>
           <a:p>
@@ -5934,6 +5953,13 @@
   <p:clrMapOvr>
     <a:masterClrMapping/>
   </p:clrMapOvr>
+  <p:timing>
+    <p:tnLst>
+      <p:par>
+        <p:cTn id="1" dur="indefinite" restart="never" nodeType="tmRoot"/>
+      </p:par>
+    </p:tnLst>
+  </p:timing>
 </p:sld>
 </file>
 
@@ -5971,7 +5997,9 @@
           </a:xfrm>
         </p:spPr>
         <p:txBody>
-          <a:bodyPr/>
+          <a:bodyPr>
+            <a:normAutofit/>
+          </a:bodyPr>
           <a:lstStyle/>
           <a:p>
             <a:r>
@@ -6233,6 +6261,13 @@
   <p:clrMapOvr>
     <a:masterClrMapping/>
   </p:clrMapOvr>
+  <p:timing>
+    <p:tnLst>
+      <p:par>
+        <p:cTn id="1" dur="indefinite" restart="never" nodeType="tmRoot"/>
+      </p:par>
+    </p:tnLst>
+  </p:timing>
 </p:sld>
 </file>
 
@@ -6327,6 +6362,13 @@
   <p:clrMapOvr>
     <a:masterClrMapping/>
   </p:clrMapOvr>
+  <p:timing>
+    <p:tnLst>
+      <p:par>
+        <p:cTn id="1" dur="indefinite" restart="never" nodeType="tmRoot"/>
+      </p:par>
+    </p:tnLst>
+  </p:timing>
 </p:sld>
 </file>
 
@@ -6349,7 +6391,7 @@
       </p:grpSpPr>
       <p:pic>
         <p:nvPicPr>
-          <p:cNvPr id="4" name="Content Placeholder 3"/>
+          <p:cNvPr id="6" name="Content Placeholder 5"/>
           <p:cNvPicPr>
             <a:picLocks noGrp="1" noChangeAspect="1"/>
           </p:cNvPicPr>
@@ -6371,8 +6413,8 @@
         </p:blipFill>
         <p:spPr>
           <a:xfrm>
-            <a:off x="742950" y="1234476"/>
-            <a:ext cx="8597900" cy="3612760"/>
+            <a:off x="731585" y="584037"/>
+            <a:ext cx="9089866" cy="5012722"/>
           </a:xfrm>
         </p:spPr>
       </p:pic>
@@ -6386,6 +6428,13 @@
   <p:clrMapOvr>
     <a:masterClrMapping/>
   </p:clrMapOvr>
+  <p:timing>
+    <p:tnLst>
+      <p:par>
+        <p:cTn id="1" dur="indefinite" restart="never" nodeType="tmRoot"/>
+      </p:par>
+    </p:tnLst>
+  </p:timing>
 </p:sld>
 </file>
 
@@ -6542,6 +6591,13 @@
   <p:clrMapOvr>
     <a:masterClrMapping/>
   </p:clrMapOvr>
+  <p:timing>
+    <p:tnLst>
+      <p:par>
+        <p:cTn id="1" dur="indefinite" restart="never" nodeType="tmRoot"/>
+      </p:par>
+    </p:tnLst>
+  </p:timing>
 </p:sld>
 </file>
 
@@ -6675,8 +6731,8 @@
         </p:blipFill>
         <p:spPr>
           <a:xfrm>
-            <a:off x="8123583" y="1072935"/>
-            <a:ext cx="2794741" cy="4968428"/>
+            <a:off x="8996083" y="1845734"/>
+            <a:ext cx="2468188" cy="4387889"/>
           </a:xfrm>
           <a:prstGeom prst="rect">
             <a:avLst/>
@@ -6693,6 +6749,13 @@
   <p:clrMapOvr>
     <a:masterClrMapping/>
   </p:clrMapOvr>
+  <p:timing>
+    <p:tnLst>
+      <p:par>
+        <p:cTn id="1" dur="indefinite" restart="never" nodeType="tmRoot"/>
+      </p:par>
+    </p:tnLst>
+  </p:timing>
 </p:sld>
 </file>
 
@@ -7010,6 +7073,13 @@
   <p:clrMapOvr>
     <a:masterClrMapping/>
   </p:clrMapOvr>
+  <p:timing>
+    <p:tnLst>
+      <p:par>
+        <p:cTn id="1" dur="indefinite" restart="never" nodeType="tmRoot"/>
+      </p:par>
+    </p:tnLst>
+  </p:timing>
 </p:sld>
 </file>
 
